--- a/PRESENTATION CF.pptx
+++ b/PRESENTATION CF.pptx
@@ -242,7 +242,7 @@
             <a:fld id="{EBBF49CF-B3A7-7D4D-9B14-15CAEE8EA6A2}" type="datetimeFigureOut">
               <a:rPr lang="fr-FR" smtClean="0"/>
               <a:pPr/>
-              <a:t>16/03/2022</a:t>
+              <a:t>04/04/2022</a:t>
             </a:fld>
             <a:endParaRPr lang="fr-FR"/>
           </a:p>
@@ -409,7 +409,7 @@
             <a:fld id="{E49FF99F-00CB-4143-AE8B-8F567092A612}" type="datetimeFigureOut">
               <a:rPr lang="fr-FR" smtClean="0"/>
               <a:pPr/>
-              <a:t>16/03/2022</a:t>
+              <a:t>04/04/2022</a:t>
             </a:fld>
             <a:endParaRPr lang="fr-FR"/>
           </a:p>
@@ -1114,7 +1114,7 @@
             <a:fld id="{5C06D78B-BA86-EA45-8125-14A88145BFA6}" type="datetimeFigureOut">
               <a:rPr lang="fr-FR" smtClean="0"/>
               <a:pPr/>
-              <a:t>16/03/2022</a:t>
+              <a:t>04/04/2022</a:t>
             </a:fld>
             <a:endParaRPr lang="fr-FR" dirty="0"/>
           </a:p>
@@ -1949,7 +1949,7 @@
             <a:fld id="{5C06D78B-BA86-EA45-8125-14A88145BFA6}" type="datetimeFigureOut">
               <a:rPr lang="fr-FR" smtClean="0"/>
               <a:pPr/>
-              <a:t>16/03/2022</a:t>
+              <a:t>04/04/2022</a:t>
             </a:fld>
             <a:endParaRPr lang="fr-FR" dirty="0"/>
           </a:p>
@@ -3129,7 +3129,7 @@
           <a:bodyPr/>
           <a:lstStyle/>
           <a:p>
-            <a:endParaRPr lang="fr-FR"/>
+            <a:endParaRPr lang="fr-FR" dirty="0"/>
           </a:p>
         </p:txBody>
       </p:sp>
@@ -3207,6 +3207,18 @@
           <a:bodyPr/>
           <a:lstStyle/>
           <a:p>
+            <a:r>
+              <a:rPr lang="fr-FR" dirty="0" err="1" smtClean="0"/>
+              <a:t>Selection</a:t>
+            </a:r>
+            <a:r>
+              <a:rPr lang="fr-FR" dirty="0" smtClean="0"/>
+              <a:t> </a:t>
+            </a:r>
+            <a:r>
+              <a:rPr lang="fr-FR" smtClean="0"/>
+              <a:t>du logiciel</a:t>
+            </a:r>
             <a:endParaRPr lang="fr-FR"/>
           </a:p>
         </p:txBody>
